--- a/1. Install server with GUI/Documents/Presentation.pptx
+++ b/1. Install server with GUI/Documents/Presentation.pptx
@@ -5,7 +5,7 @@
     <p:sldMasterId id="2147483653" r:id="rId1"/>
   </p:sldMasterIdLst>
   <p:notesMasterIdLst>
-    <p:notesMasterId r:id="rId18"/>
+    <p:notesMasterId r:id="rId19"/>
   </p:notesMasterIdLst>
   <p:sldIdLst>
     <p:sldId id="256" r:id="rId2"/>
@@ -24,6 +24,7 @@
     <p:sldId id="269" r:id="rId15"/>
     <p:sldId id="270" r:id="rId16"/>
     <p:sldId id="271" r:id="rId17"/>
+    <p:sldId id="272" r:id="rId18"/>
   </p:sldIdLst>
   <p:sldSz cx="12192000" cy="6858000"/>
   <p:notesSz cx="6858000" cy="9144000"/>
@@ -253,7 +254,7 @@
           <a:p>
             <a:fld id="{FF078CFF-F1FC-4E8D-9C0D-9FCFCF239370}" type="datetimeFigureOut">
               <a:rPr lang="en-US" smtClean="0"/>
-              <a:t>3/12/2019</a:t>
+              <a:t>3/13/2019</a:t>
             </a:fld>
             <a:endParaRPr lang="en-US"/>
           </a:p>
@@ -6887,6 +6888,139 @@
     <p:extLst>
       <p:ext uri="{BB962C8B-B14F-4D97-AF65-F5344CB8AC3E}">
         <p14:creationId xmlns:p14="http://schemas.microsoft.com/office/powerpoint/2010/main" val="1981753566"/>
+      </p:ext>
+    </p:extLst>
+  </p:cSld>
+  <p:clrMapOvr>
+    <a:masterClrMapping/>
+  </p:clrMapOvr>
+  <mc:AlternateContent xmlns:mc="http://schemas.openxmlformats.org/markup-compatibility/2006" xmlns:p14="http://schemas.microsoft.com/office/powerpoint/2010/main">
+    <mc:Choice Requires="p14">
+      <p:transition spd="med" p14:dur="700">
+        <p:fade/>
+      </p:transition>
+    </mc:Choice>
+    <mc:Fallback xmlns="">
+      <p:transition spd="med">
+        <p:fade/>
+      </p:transition>
+    </mc:Fallback>
+  </mc:AlternateContent>
+  <p:timing>
+    <p:tnLst>
+      <p:par>
+        <p:cTn id="1" dur="indefinite" restart="never" nodeType="tmRoot"/>
+      </p:par>
+    </p:tnLst>
+  </p:timing>
+</p:sld>
+</file>
+
+<file path=ppt/slides/slide17.xml><?xml version="1.0" encoding="utf-8"?>
+<p:sld xmlns:a="http://schemas.openxmlformats.org/drawingml/2006/main" xmlns:r="http://schemas.openxmlformats.org/officeDocument/2006/relationships" xmlns:p="http://schemas.openxmlformats.org/presentationml/2006/main">
+  <p:cSld>
+    <p:spTree>
+      <p:nvGrpSpPr>
+        <p:cNvPr id="1" name=""/>
+        <p:cNvGrpSpPr/>
+        <p:nvPr/>
+      </p:nvGrpSpPr>
+      <p:grpSpPr>
+        <a:xfrm>
+          <a:off x="0" y="0"/>
+          <a:ext cx="0" cy="0"/>
+          <a:chOff x="0" y="0"/>
+          <a:chExt cx="0" cy="0"/>
+        </a:xfrm>
+      </p:grpSpPr>
+      <p:sp>
+        <p:nvSpPr>
+          <p:cNvPr id="2" name="Title 1"/>
+          <p:cNvSpPr>
+            <a:spLocks noGrp="1"/>
+          </p:cNvSpPr>
+          <p:nvPr>
+            <p:ph type="title"/>
+          </p:nvPr>
+        </p:nvSpPr>
+        <p:spPr>
+          <a:xfrm>
+            <a:off x="609600" y="457200"/>
+            <a:ext cx="10972800" cy="1447800"/>
+          </a:xfrm>
+        </p:spPr>
+        <p:txBody>
+          <a:bodyPr/>
+          <a:lstStyle/>
+          <a:p>
+            <a:pPr algn="ctr"/>
+            <a:r>
+              <a:rPr lang="en-US" sz="3200" dirty="0" smtClean="0">
+                <a:hlinkClick r:id="rId2"/>
+              </a:rPr>
+              <a:t>YouTube</a:t>
+            </a:r>
+            <a:r>
+              <a:rPr lang="en-US" sz="3200" dirty="0" smtClean="0"/>
+              <a:t>   </a:t>
+            </a:r>
+            <a:r>
+              <a:rPr lang="en-US" sz="3200" dirty="0" smtClean="0">
+                <a:hlinkClick r:id="rId3"/>
+              </a:rPr>
+              <a:t>GitHub</a:t>
+            </a:r>
+            <a:endParaRPr lang="en-US" sz="3200" dirty="0"/>
+          </a:p>
+        </p:txBody>
+      </p:sp>
+      <p:pic>
+        <p:nvPicPr>
+          <p:cNvPr id="4" name="Picture 2" descr="E:\HatchfulExport-All\logo_transparent.png"/>
+          <p:cNvPicPr>
+            <a:picLocks noGrp="1" noChangeAspect="1" noChangeArrowheads="1"/>
+          </p:cNvPicPr>
+          <p:nvPr>
+            <p:ph idx="1"/>
+          </p:nvPr>
+        </p:nvPicPr>
+        <p:blipFill>
+          <a:blip r:embed="rId4" cstate="print">
+            <a:extLst>
+              <a:ext uri="{28A0092B-C50C-407E-A947-70E740481C1C}">
+                <a14:useLocalDpi xmlns:a14="http://schemas.microsoft.com/office/drawing/2010/main" val="0"/>
+              </a:ext>
+            </a:extLst>
+          </a:blip>
+          <a:srcRect/>
+          <a:stretch>
+            <a:fillRect/>
+          </a:stretch>
+        </p:blipFill>
+        <p:spPr bwMode="auto">
+          <a:xfrm>
+            <a:off x="4152900" y="1981200"/>
+            <a:ext cx="3886200" cy="3886200"/>
+          </a:xfrm>
+          <a:prstGeom prst="rect">
+            <a:avLst/>
+          </a:prstGeom>
+          <a:noFill/>
+          <a:extLst>
+            <a:ext uri="{909E8E84-426E-40DD-AFC4-6F175D3DCCD1}">
+              <a14:hiddenFill xmlns:a14="http://schemas.microsoft.com/office/drawing/2010/main">
+                <a:solidFill>
+                  <a:srgbClr val="FFFFFF"/>
+                </a:solidFill>
+              </a14:hiddenFill>
+            </a:ext>
+          </a:extLst>
+        </p:spPr>
+      </p:pic>
+    </p:spTree>
+    <p:extLst>
+      <p:ext uri="{BB962C8B-B14F-4D97-AF65-F5344CB8AC3E}">
+        <p14:creationId xmlns:p14="http://schemas.microsoft.com/office/powerpoint/2010/main" val="379931677"/>
       </p:ext>
     </p:extLst>
   </p:cSld>

--- a/1. Install server with GUI/Documents/Presentation.pptx
+++ b/1. Install server with GUI/Documents/Presentation.pptx
@@ -254,7 +254,7 @@
           <a:p>
             <a:fld id="{FF078CFF-F1FC-4E8D-9C0D-9FCFCF239370}" type="datetimeFigureOut">
               <a:rPr lang="en-US" smtClean="0"/>
-              <a:t>3/13/2019</a:t>
+              <a:t>3/26/2019</a:t>
             </a:fld>
             <a:endParaRPr lang="en-US"/>
           </a:p>
@@ -6945,8 +6945,8 @@
         </p:nvSpPr>
         <p:spPr>
           <a:xfrm>
-            <a:off x="609600" y="457200"/>
-            <a:ext cx="10972800" cy="1447800"/>
+            <a:off x="609600" y="4495800"/>
+            <a:ext cx="10972800" cy="2057400"/>
           </a:xfrm>
         </p:spPr>
         <p:txBody>
@@ -6955,21 +6955,50 @@
           <a:p>
             <a:pPr algn="ctr"/>
             <a:r>
-              <a:rPr lang="en-US" sz="3200" dirty="0" smtClean="0">
+              <a:rPr lang="en-US" sz="2400" dirty="0">
                 <a:hlinkClick r:id="rId2"/>
               </a:rPr>
-              <a:t>YouTube</a:t>
-            </a:r>
-            <a:r>
-              <a:rPr lang="en-US" sz="3200" dirty="0" smtClean="0"/>
-              <a:t>   </a:t>
-            </a:r>
-            <a:r>
-              <a:rPr lang="en-US" sz="3200" dirty="0" smtClean="0">
+              <a:t>https://</a:t>
+            </a:r>
+            <a:r>
+              <a:rPr lang="en-US" sz="2400" dirty="0" smtClean="0">
+                <a:hlinkClick r:id="rId2"/>
+              </a:rPr>
+              <a:t>www.youtube.com/channel/UCcZ-jLbPwNr8E_v9-65n8Iw</a:t>
+            </a:r>
+            <a:r>
+              <a:rPr lang="en-US" sz="2400" dirty="0" smtClean="0"/>
+              <a:t/>
+            </a:r>
+            <a:br>
+              <a:rPr lang="en-US" sz="2400" dirty="0" smtClean="0"/>
+            </a:br>
+            <a:r>
+              <a:rPr lang="en-US" sz="2400" dirty="0"/>
+              <a:t/>
+            </a:r>
+            <a:br>
+              <a:rPr lang="en-US" sz="2400" dirty="0"/>
+            </a:br>
+            <a:r>
+              <a:rPr lang="en-US" sz="2400" dirty="0">
                 <a:hlinkClick r:id="rId3"/>
               </a:rPr>
-              <a:t>GitHub</a:t>
-            </a:r>
+              <a:t>https://</a:t>
+            </a:r>
+            <a:r>
+              <a:rPr lang="en-US" sz="2400" dirty="0" smtClean="0">
+                <a:hlinkClick r:id="rId3"/>
+              </a:rPr>
+              <a:t>github.com/itknowledge4</a:t>
+            </a:r>
+            <a:r>
+              <a:rPr lang="en-US" sz="3200" dirty="0" smtClean="0"/>
+              <a:t/>
+            </a:r>
+            <a:br>
+              <a:rPr lang="en-US" sz="3200" dirty="0" smtClean="0"/>
+            </a:br>
             <a:endParaRPr lang="en-US" sz="3200" dirty="0"/>
           </a:p>
         </p:txBody>
@@ -6999,7 +7028,7 @@
         </p:blipFill>
         <p:spPr bwMode="auto">
           <a:xfrm>
-            <a:off x="4152900" y="1981200"/>
+            <a:off x="4152900" y="457200"/>
             <a:ext cx="3886200" cy="3886200"/>
           </a:xfrm>
           <a:prstGeom prst="rect">
@@ -7020,7 +7049,7 @@
     </p:spTree>
     <p:extLst>
       <p:ext uri="{BB962C8B-B14F-4D97-AF65-F5344CB8AC3E}">
-        <p14:creationId xmlns:p14="http://schemas.microsoft.com/office/powerpoint/2010/main" val="379931677"/>
+        <p14:creationId xmlns:p14="http://schemas.microsoft.com/office/powerpoint/2010/main" val="1365146299"/>
       </p:ext>
     </p:extLst>
   </p:cSld>

--- a/1. Install server with GUI/Documents/Presentation.pptx
+++ b/1. Install server with GUI/Documents/Presentation.pptx
@@ -254,7 +254,7 @@
           <a:p>
             <a:fld id="{FF078CFF-F1FC-4E8D-9C0D-9FCFCF239370}" type="datetimeFigureOut">
               <a:rPr lang="en-US" smtClean="0"/>
-              <a:t>3/26/2019</a:t>
+              <a:t>4/8/2019</a:t>
             </a:fld>
             <a:endParaRPr lang="en-US"/>
           </a:p>
@@ -568,13 +568,7 @@
           <a:p>
             <a:r>
               <a:rPr lang="en-US" dirty="0" smtClean="0"/>
-              <a:t>This happens when you try to install a VM that has 512 Minimum RAM and startup RAM.</a:t>
-            </a:r>
-          </a:p>
-          <a:p>
-            <a:r>
-              <a:rPr lang="en-US" dirty="0" smtClean="0"/>
-              <a:t>To solve the issue just give the machine 1024 MB startup RAM; you can keep the 512 minimum RAM if you want.</a:t>
+              <a:t>While Windows Server 2019 could run on 512 MB, you need at least 1 GB of RAM for the installation phase.</a:t>
             </a:r>
             <a:endParaRPr lang="en-US" dirty="0"/>
           </a:p>
@@ -597,7 +591,7 @@
           <a:p>
             <a:fld id="{D7549FFE-5A44-40D1-8EEA-4FC61FBFF1FE}" type="slidenum">
               <a:rPr lang="en-US" smtClean="0"/>
-              <a:t>4</a:t>
+              <a:t>3</a:t>
             </a:fld>
             <a:endParaRPr lang="en-US"/>
           </a:p>
@@ -606,7 +600,123 @@
     </p:spTree>
     <p:extLst>
       <p:ext uri="{BB962C8B-B14F-4D97-AF65-F5344CB8AC3E}">
-        <p14:creationId xmlns:p14="http://schemas.microsoft.com/office/powerpoint/2010/main" val="1735173360"/>
+        <p14:creationId xmlns:p14="http://schemas.microsoft.com/office/powerpoint/2010/main" val="3855204114"/>
+      </p:ext>
+    </p:extLst>
+  </p:cSld>
+  <p:clrMapOvr>
+    <a:masterClrMapping/>
+  </p:clrMapOvr>
+</p:notes>
+</file>
+
+<file path=ppt/notesSlides/notesSlide10.xml><?xml version="1.0" encoding="utf-8"?>
+<p:notes xmlns:a="http://schemas.openxmlformats.org/drawingml/2006/main" xmlns:r="http://schemas.openxmlformats.org/officeDocument/2006/relationships" xmlns:p="http://schemas.openxmlformats.org/presentationml/2006/main">
+  <p:cSld>
+    <p:spTree>
+      <p:nvGrpSpPr>
+        <p:cNvPr id="1" name=""/>
+        <p:cNvGrpSpPr/>
+        <p:nvPr/>
+      </p:nvGrpSpPr>
+      <p:grpSpPr>
+        <a:xfrm>
+          <a:off x="0" y="0"/>
+          <a:ext cx="0" cy="0"/>
+          <a:chOff x="0" y="0"/>
+          <a:chExt cx="0" cy="0"/>
+        </a:xfrm>
+      </p:grpSpPr>
+      <p:sp>
+        <p:nvSpPr>
+          <p:cNvPr id="2" name="Slide Image Placeholder 1"/>
+          <p:cNvSpPr>
+            <a:spLocks noGrp="1" noRot="1" noChangeAspect="1"/>
+          </p:cNvSpPr>
+          <p:nvPr>
+            <p:ph type="sldImg"/>
+          </p:nvPr>
+        </p:nvSpPr>
+        <p:spPr/>
+      </p:sp>
+      <p:sp>
+        <p:nvSpPr>
+          <p:cNvPr id="3" name="Notes Placeholder 2"/>
+          <p:cNvSpPr>
+            <a:spLocks noGrp="1"/>
+          </p:cNvSpPr>
+          <p:nvPr>
+            <p:ph type="body" idx="1"/>
+          </p:nvPr>
+        </p:nvSpPr>
+        <p:spPr/>
+        <p:txBody>
+          <a:bodyPr/>
+          <a:lstStyle/>
+          <a:p>
+            <a:r>
+              <a:rPr lang="en-US" dirty="0" smtClean="0"/>
+              <a:t>You</a:t>
+            </a:r>
+            <a:r>
+              <a:rPr lang="en-US" baseline="0" dirty="0" smtClean="0"/>
+              <a:t> have to set a password for the local Administrator user. Because of the Local Security Policy you have to use 3 of the 4 character types:</a:t>
+            </a:r>
+          </a:p>
+          <a:p>
+            <a:r>
+              <a:rPr lang="en-US" baseline="0" dirty="0" smtClean="0"/>
+              <a:t>  - Uppercase letters</a:t>
+            </a:r>
+          </a:p>
+          <a:p>
+            <a:r>
+              <a:rPr lang="en-US" baseline="0" dirty="0" smtClean="0"/>
+              <a:t>  - Lowercase letters</a:t>
+            </a:r>
+          </a:p>
+          <a:p>
+            <a:r>
+              <a:rPr lang="en-US" baseline="0" dirty="0" smtClean="0"/>
+              <a:t>  - Numbers</a:t>
+            </a:r>
+          </a:p>
+          <a:p>
+            <a:r>
+              <a:rPr lang="en-US" baseline="0" dirty="0" smtClean="0"/>
+              <a:t>  - Special characters</a:t>
+            </a:r>
+            <a:endParaRPr lang="en-US" dirty="0"/>
+          </a:p>
+        </p:txBody>
+      </p:sp>
+      <p:sp>
+        <p:nvSpPr>
+          <p:cNvPr id="4" name="Slide Number Placeholder 3"/>
+          <p:cNvSpPr>
+            <a:spLocks noGrp="1"/>
+          </p:cNvSpPr>
+          <p:nvPr>
+            <p:ph type="sldNum" sz="quarter" idx="10"/>
+          </p:nvPr>
+        </p:nvSpPr>
+        <p:spPr/>
+        <p:txBody>
+          <a:bodyPr/>
+          <a:lstStyle/>
+          <a:p>
+            <a:fld id="{D7549FFE-5A44-40D1-8EEA-4FC61FBFF1FE}" type="slidenum">
+              <a:rPr lang="en-US" smtClean="0"/>
+              <a:t>16</a:t>
+            </a:fld>
+            <a:endParaRPr lang="en-US"/>
+          </a:p>
+        </p:txBody>
+      </p:sp>
+    </p:spTree>
+    <p:extLst>
+      <p:ext uri="{BB962C8B-B14F-4D97-AF65-F5344CB8AC3E}">
+        <p14:creationId xmlns:p14="http://schemas.microsoft.com/office/powerpoint/2010/main" val="2220607411"/>
       </p:ext>
     </p:extLst>
   </p:cSld>
@@ -662,17 +772,13 @@
           <a:p>
             <a:r>
               <a:rPr lang="en-US" dirty="0" smtClean="0"/>
-              <a:t>You can select the OS language to be used. If the ISO is the</a:t>
-            </a:r>
-            <a:r>
-              <a:rPr lang="en-US" baseline="0" dirty="0" smtClean="0"/>
-              <a:t> English version only this language is selectable</a:t>
-            </a:r>
-          </a:p>
-          <a:p>
-            <a:r>
-              <a:rPr lang="en-US" baseline="0" dirty="0" smtClean="0"/>
-              <a:t>Time and currency format and keyboard layout can be selected  based on your region. I recommend sticking to English US for both</a:t>
+              <a:t>This happens when you try to install a VM that has 512 Minimum RAM and startup RAM.</a:t>
+            </a:r>
+          </a:p>
+          <a:p>
+            <a:r>
+              <a:rPr lang="en-US" dirty="0" smtClean="0"/>
+              <a:t>To solve the issue just give the machine 1024 MB startup RAM; you can keep the 512 minimum RAM if you want.</a:t>
             </a:r>
             <a:endParaRPr lang="en-US" dirty="0"/>
           </a:p>
@@ -695,7 +801,7 @@
           <a:p>
             <a:fld id="{D7549FFE-5A44-40D1-8EEA-4FC61FBFF1FE}" type="slidenum">
               <a:rPr lang="en-US" smtClean="0"/>
-              <a:t>9</a:t>
+              <a:t>4</a:t>
             </a:fld>
             <a:endParaRPr lang="en-US"/>
           </a:p>
@@ -704,7 +810,7 @@
     </p:spTree>
     <p:extLst>
       <p:ext uri="{BB962C8B-B14F-4D97-AF65-F5344CB8AC3E}">
-        <p14:creationId xmlns:p14="http://schemas.microsoft.com/office/powerpoint/2010/main" val="3481966513"/>
+        <p14:creationId xmlns:p14="http://schemas.microsoft.com/office/powerpoint/2010/main" val="1735173360"/>
       </p:ext>
     </p:extLst>
   </p:cSld>
@@ -760,7 +866,17 @@
           <a:p>
             <a:r>
               <a:rPr lang="en-US" dirty="0" smtClean="0"/>
-              <a:t>Besides installing Windows, you also have some repair and recovery tools on the installation media</a:t>
+              <a:t>You can select the OS language to be used. If the ISO is the</a:t>
+            </a:r>
+            <a:r>
+              <a:rPr lang="en-US" baseline="0" dirty="0" smtClean="0"/>
+              <a:t> English version only this language is selectable</a:t>
+            </a:r>
+          </a:p>
+          <a:p>
+            <a:r>
+              <a:rPr lang="en-US" baseline="0" dirty="0" smtClean="0"/>
+              <a:t>Time and currency format and keyboard layout can be selected  based on your region. I recommend sticking to English US for both</a:t>
             </a:r>
             <a:endParaRPr lang="en-US" dirty="0"/>
           </a:p>
@@ -783,7 +899,7 @@
           <a:p>
             <a:fld id="{D7549FFE-5A44-40D1-8EEA-4FC61FBFF1FE}" type="slidenum">
               <a:rPr lang="en-US" smtClean="0"/>
-              <a:t>10</a:t>
+              <a:t>9</a:t>
             </a:fld>
             <a:endParaRPr lang="en-US"/>
           </a:p>
@@ -792,7 +908,7 @@
     </p:spTree>
     <p:extLst>
       <p:ext uri="{BB962C8B-B14F-4D97-AF65-F5344CB8AC3E}">
-        <p14:creationId xmlns:p14="http://schemas.microsoft.com/office/powerpoint/2010/main" val="3399272794"/>
+        <p14:creationId xmlns:p14="http://schemas.microsoft.com/office/powerpoint/2010/main" val="3481966513"/>
       </p:ext>
     </p:extLst>
   </p:cSld>
@@ -848,20 +964,7 @@
           <a:p>
             <a:r>
               <a:rPr lang="en-US" dirty="0" smtClean="0"/>
-              <a:t>The 2 most used Windows Server</a:t>
-            </a:r>
-            <a:r>
-              <a:rPr lang="en-US" baseline="0" dirty="0" smtClean="0"/>
-              <a:t> editions are Standard and Datacenter but there are also others like Hyper-V Server, Windows Essentials, Windows Storage Server.</a:t>
-            </a:r>
-          </a:p>
-          <a:p>
-            <a:endParaRPr lang="en-US" baseline="0" dirty="0" smtClean="0"/>
-          </a:p>
-          <a:p>
-            <a:r>
-              <a:rPr lang="en-US" baseline="0" dirty="0" smtClean="0"/>
-              <a:t>Besides the 2 editions available on the disc, you can also choose if your server will have a graphical user interface or not.</a:t>
+              <a:t>Besides installing Windows, you also have some repair and recovery tools on the installation media</a:t>
             </a:r>
             <a:endParaRPr lang="en-US" dirty="0"/>
           </a:p>
@@ -884,7 +987,7 @@
           <a:p>
             <a:fld id="{D7549FFE-5A44-40D1-8EEA-4FC61FBFF1FE}" type="slidenum">
               <a:rPr lang="en-US" smtClean="0"/>
-              <a:t>11</a:t>
+              <a:t>10</a:t>
             </a:fld>
             <a:endParaRPr lang="en-US"/>
           </a:p>
@@ -893,7 +996,7 @@
     </p:spTree>
     <p:extLst>
       <p:ext uri="{BB962C8B-B14F-4D97-AF65-F5344CB8AC3E}">
-        <p14:creationId xmlns:p14="http://schemas.microsoft.com/office/powerpoint/2010/main" val="799775224"/>
+        <p14:creationId xmlns:p14="http://schemas.microsoft.com/office/powerpoint/2010/main" val="3399272794"/>
       </p:ext>
     </p:extLst>
   </p:cSld>
@@ -947,6 +1050,23 @@
           <a:bodyPr/>
           <a:lstStyle/>
           <a:p>
+            <a:r>
+              <a:rPr lang="en-US" dirty="0" smtClean="0"/>
+              <a:t>The 2 most used Windows Server</a:t>
+            </a:r>
+            <a:r>
+              <a:rPr lang="en-US" baseline="0" dirty="0" smtClean="0"/>
+              <a:t> editions are Standard and Datacenter but there are also others like Hyper-V Server, Windows Essentials, Windows Storage Server.</a:t>
+            </a:r>
+          </a:p>
+          <a:p>
+            <a:endParaRPr lang="en-US" baseline="0" dirty="0" smtClean="0"/>
+          </a:p>
+          <a:p>
+            <a:r>
+              <a:rPr lang="en-US" baseline="0" dirty="0" smtClean="0"/>
+              <a:t>Besides the 2 editions available on the disc, you can also choose if your server will have a graphical user interface or not.</a:t>
+            </a:r>
             <a:endParaRPr lang="en-US" dirty="0"/>
           </a:p>
         </p:txBody>
@@ -968,7 +1088,7 @@
           <a:p>
             <a:fld id="{D7549FFE-5A44-40D1-8EEA-4FC61FBFF1FE}" type="slidenum">
               <a:rPr lang="en-US" smtClean="0"/>
-              <a:t>12</a:t>
+              <a:t>11</a:t>
             </a:fld>
             <a:endParaRPr lang="en-US"/>
           </a:p>
@@ -977,7 +1097,7 @@
     </p:spTree>
     <p:extLst>
       <p:ext uri="{BB962C8B-B14F-4D97-AF65-F5344CB8AC3E}">
-        <p14:creationId xmlns:p14="http://schemas.microsoft.com/office/powerpoint/2010/main" val="2322942166"/>
+        <p14:creationId xmlns:p14="http://schemas.microsoft.com/office/powerpoint/2010/main" val="799775224"/>
       </p:ext>
     </p:extLst>
   </p:cSld>
@@ -1031,20 +1151,6 @@
           <a:bodyPr/>
           <a:lstStyle/>
           <a:p>
-            <a:r>
-              <a:rPr lang="en-US" dirty="0" smtClean="0"/>
-              <a:t>You have the option to perform a clean install: the selected HDD will</a:t>
-            </a:r>
-            <a:r>
-              <a:rPr lang="en-US" baseline="0" dirty="0" smtClean="0"/>
-              <a:t> be formatted, all data will be lost and you will get a fresh and clean install of Windows Server</a:t>
-            </a:r>
-          </a:p>
-          <a:p>
-            <a:r>
-              <a:rPr lang="en-US" baseline="0" dirty="0" smtClean="0"/>
-              <a:t>The other installation option is the upgrade from a previous version of Windows Server. The supported paths for upgrade are from 2012 R2 to 2019 and from 2016 to 2019</a:t>
-            </a:r>
             <a:endParaRPr lang="en-US" dirty="0"/>
           </a:p>
         </p:txBody>
@@ -1066,7 +1172,7 @@
           <a:p>
             <a:fld id="{D7549FFE-5A44-40D1-8EEA-4FC61FBFF1FE}" type="slidenum">
               <a:rPr lang="en-US" smtClean="0"/>
-              <a:t>13</a:t>
+              <a:t>12</a:t>
             </a:fld>
             <a:endParaRPr lang="en-US"/>
           </a:p>
@@ -1075,7 +1181,7 @@
     </p:spTree>
     <p:extLst>
       <p:ext uri="{BB962C8B-B14F-4D97-AF65-F5344CB8AC3E}">
-        <p14:creationId xmlns:p14="http://schemas.microsoft.com/office/powerpoint/2010/main" val="3087596077"/>
+        <p14:creationId xmlns:p14="http://schemas.microsoft.com/office/powerpoint/2010/main" val="2322942166"/>
       </p:ext>
     </p:extLst>
   </p:cSld>
@@ -1131,32 +1237,17 @@
           <a:p>
             <a:r>
               <a:rPr lang="en-US" dirty="0" smtClean="0"/>
-              <a:t>Here</a:t>
+              <a:t>You have the option to perform a clean install: the selected HDD will</a:t>
             </a:r>
             <a:r>
               <a:rPr lang="en-US" baseline="0" dirty="0" smtClean="0"/>
-              <a:t> you get to select the disk that the OS will be placed on. You can also create partitions if you want to.</a:t>
-            </a:r>
-          </a:p>
-          <a:p>
-            <a:endParaRPr lang="en-US" baseline="0" dirty="0" smtClean="0"/>
+              <a:t> be formatted, all data will be lost and you will get a fresh and clean install of Windows Server</a:t>
+            </a:r>
           </a:p>
           <a:p>
             <a:r>
               <a:rPr lang="en-US" baseline="0" dirty="0" smtClean="0"/>
-              <a:t>If installing on hardware and you do not see any disks there may be 2 possibilities for this:</a:t>
-            </a:r>
-          </a:p>
-          <a:p>
-            <a:r>
-              <a:rPr lang="en-US" baseline="0" dirty="0" smtClean="0"/>
-              <a:t>  - You need a storage drive in order to recognize the controller (use Load driver and after that Refresh)</a:t>
-            </a:r>
-          </a:p>
-          <a:p>
-            <a:r>
-              <a:rPr lang="en-US" baseline="0" dirty="0" smtClean="0"/>
-              <a:t>  - No volumes have been created on your RAID controller</a:t>
+              <a:t>The other installation option is the upgrade from a previous version of Windows Server. The supported paths for upgrade are from 2012 R2 to 2019 and from 2016 to 2019</a:t>
             </a:r>
             <a:endParaRPr lang="en-US" dirty="0"/>
           </a:p>
@@ -1179,7 +1270,7 @@
           <a:p>
             <a:fld id="{D7549FFE-5A44-40D1-8EEA-4FC61FBFF1FE}" type="slidenum">
               <a:rPr lang="en-US" smtClean="0"/>
-              <a:t>14</a:t>
+              <a:t>13</a:t>
             </a:fld>
             <a:endParaRPr lang="en-US"/>
           </a:p>
@@ -1188,7 +1279,7 @@
     </p:spTree>
     <p:extLst>
       <p:ext uri="{BB962C8B-B14F-4D97-AF65-F5344CB8AC3E}">
-        <p14:creationId xmlns:p14="http://schemas.microsoft.com/office/powerpoint/2010/main" val="1880744631"/>
+        <p14:creationId xmlns:p14="http://schemas.microsoft.com/office/powerpoint/2010/main" val="3087596077"/>
       </p:ext>
     </p:extLst>
   </p:cSld>
@@ -1244,11 +1335,32 @@
           <a:p>
             <a:r>
               <a:rPr lang="en-US" dirty="0" smtClean="0"/>
-              <a:t>Just</a:t>
+              <a:t>Here</a:t>
             </a:r>
             <a:r>
               <a:rPr lang="en-US" baseline="0" dirty="0" smtClean="0"/>
-              <a:t> sit back and let Windows Server install. After some restarts you will be prompted to change the local Administrator’s password</a:t>
+              <a:t> you get to select the disk that the OS will be placed on. You can also create partitions if you want to.</a:t>
+            </a:r>
+          </a:p>
+          <a:p>
+            <a:endParaRPr lang="en-US" baseline="0" dirty="0" smtClean="0"/>
+          </a:p>
+          <a:p>
+            <a:r>
+              <a:rPr lang="en-US" baseline="0" dirty="0" smtClean="0"/>
+              <a:t>If installing on hardware and you do not see any disks there may be 2 possibilities for this:</a:t>
+            </a:r>
+          </a:p>
+          <a:p>
+            <a:r>
+              <a:rPr lang="en-US" baseline="0" dirty="0" smtClean="0"/>
+              <a:t>  - You need a storage drive in order to recognize the controller (use Load driver and after that Refresh)</a:t>
+            </a:r>
+          </a:p>
+          <a:p>
+            <a:r>
+              <a:rPr lang="en-US" baseline="0" dirty="0" smtClean="0"/>
+              <a:t>  - No volumes have been created on your RAID controller</a:t>
             </a:r>
             <a:endParaRPr lang="en-US" dirty="0"/>
           </a:p>
@@ -1271,7 +1383,7 @@
           <a:p>
             <a:fld id="{D7549FFE-5A44-40D1-8EEA-4FC61FBFF1FE}" type="slidenum">
               <a:rPr lang="en-US" smtClean="0"/>
-              <a:t>15</a:t>
+              <a:t>14</a:t>
             </a:fld>
             <a:endParaRPr lang="en-US"/>
           </a:p>
@@ -1280,7 +1392,7 @@
     </p:spTree>
     <p:extLst>
       <p:ext uri="{BB962C8B-B14F-4D97-AF65-F5344CB8AC3E}">
-        <p14:creationId xmlns:p14="http://schemas.microsoft.com/office/powerpoint/2010/main" val="4182640726"/>
+        <p14:creationId xmlns:p14="http://schemas.microsoft.com/office/powerpoint/2010/main" val="1880744631"/>
       </p:ext>
     </p:extLst>
   </p:cSld>
@@ -1336,35 +1448,11 @@
           <a:p>
             <a:r>
               <a:rPr lang="en-US" dirty="0" smtClean="0"/>
-              <a:t>You</a:t>
+              <a:t>Just</a:t>
             </a:r>
             <a:r>
               <a:rPr lang="en-US" baseline="0" dirty="0" smtClean="0"/>
-              <a:t> have to set a password for the local Administrator user. Because of the Local Security Policy you have to use 3 of the 4 character types:</a:t>
-            </a:r>
-          </a:p>
-          <a:p>
-            <a:r>
-              <a:rPr lang="en-US" baseline="0" dirty="0" smtClean="0"/>
-              <a:t>  - Uppercase letters</a:t>
-            </a:r>
-          </a:p>
-          <a:p>
-            <a:r>
-              <a:rPr lang="en-US" baseline="0" dirty="0" smtClean="0"/>
-              <a:t>  - Lowercase letters</a:t>
-            </a:r>
-          </a:p>
-          <a:p>
-            <a:r>
-              <a:rPr lang="en-US" baseline="0" dirty="0" smtClean="0"/>
-              <a:t>  - Numbers</a:t>
-            </a:r>
-          </a:p>
-          <a:p>
-            <a:r>
-              <a:rPr lang="en-US" baseline="0" dirty="0" smtClean="0"/>
-              <a:t>  - Special characters</a:t>
+              <a:t> sit back and let Windows Server install. After some restarts you will be prompted to change the local Administrator’s password</a:t>
             </a:r>
             <a:endParaRPr lang="en-US" dirty="0"/>
           </a:p>
@@ -1387,7 +1475,7 @@
           <a:p>
             <a:fld id="{D7549FFE-5A44-40D1-8EEA-4FC61FBFF1FE}" type="slidenum">
               <a:rPr lang="en-US" smtClean="0"/>
-              <a:t>16</a:t>
+              <a:t>15</a:t>
             </a:fld>
             <a:endParaRPr lang="en-US"/>
           </a:p>
@@ -1396,7 +1484,7 @@
     </p:spTree>
     <p:extLst>
       <p:ext uri="{BB962C8B-B14F-4D97-AF65-F5344CB8AC3E}">
-        <p14:creationId xmlns:p14="http://schemas.microsoft.com/office/powerpoint/2010/main" val="2220607411"/>
+        <p14:creationId xmlns:p14="http://schemas.microsoft.com/office/powerpoint/2010/main" val="4182640726"/>
       </p:ext>
     </p:extLst>
   </p:cSld>
